--- a/assignment2/homework_assignment_2_architecture.pptx
+++ b/assignment2/homework_assignment_2_architecture.pptx
@@ -104,6 +104,11 @@
       </a:defRPr>
     </a:lvl9pPr>
   </p:defaultTextStyle>
+  <p:extLst>
+    <p:ext uri="{EFAFB233-063F-42B5-8137-9DF3F51BA10A}">
+      <p15:sldGuideLst xmlns:p15="http://schemas.microsoft.com/office/powerpoint/2012/main"/>
+    </p:ext>
+  </p:extLst>
 </p:presentation>
 </file>
 
@@ -254,7 +259,7 @@
           <a:p>
             <a:fld id="{6D6E3091-AFB5-45C4-8AF7-B8A56A3999C0}" type="datetimeFigureOut">
               <a:rPr lang="de-DE" smtClean="0"/>
-              <a:t>14.11.2019</a:t>
+              <a:t>18.11.2019</a:t>
             </a:fld>
             <a:endParaRPr lang="de-DE"/>
           </a:p>
@@ -452,7 +457,7 @@
           <a:p>
             <a:fld id="{6D6E3091-AFB5-45C4-8AF7-B8A56A3999C0}" type="datetimeFigureOut">
               <a:rPr lang="de-DE" smtClean="0"/>
-              <a:t>14.11.2019</a:t>
+              <a:t>18.11.2019</a:t>
             </a:fld>
             <a:endParaRPr lang="de-DE"/>
           </a:p>
@@ -660,7 +665,7 @@
           <a:p>
             <a:fld id="{6D6E3091-AFB5-45C4-8AF7-B8A56A3999C0}" type="datetimeFigureOut">
               <a:rPr lang="de-DE" smtClean="0"/>
-              <a:t>14.11.2019</a:t>
+              <a:t>18.11.2019</a:t>
             </a:fld>
             <a:endParaRPr lang="de-DE"/>
           </a:p>
@@ -858,7 +863,7 @@
           <a:p>
             <a:fld id="{6D6E3091-AFB5-45C4-8AF7-B8A56A3999C0}" type="datetimeFigureOut">
               <a:rPr lang="de-DE" smtClean="0"/>
-              <a:t>14.11.2019</a:t>
+              <a:t>18.11.2019</a:t>
             </a:fld>
             <a:endParaRPr lang="de-DE"/>
           </a:p>
@@ -1133,7 +1138,7 @@
           <a:p>
             <a:fld id="{6D6E3091-AFB5-45C4-8AF7-B8A56A3999C0}" type="datetimeFigureOut">
               <a:rPr lang="de-DE" smtClean="0"/>
-              <a:t>14.11.2019</a:t>
+              <a:t>18.11.2019</a:t>
             </a:fld>
             <a:endParaRPr lang="de-DE"/>
           </a:p>
@@ -1398,7 +1403,7 @@
           <a:p>
             <a:fld id="{6D6E3091-AFB5-45C4-8AF7-B8A56A3999C0}" type="datetimeFigureOut">
               <a:rPr lang="de-DE" smtClean="0"/>
-              <a:t>14.11.2019</a:t>
+              <a:t>18.11.2019</a:t>
             </a:fld>
             <a:endParaRPr lang="de-DE"/>
           </a:p>
@@ -1810,7 +1815,7 @@
           <a:p>
             <a:fld id="{6D6E3091-AFB5-45C4-8AF7-B8A56A3999C0}" type="datetimeFigureOut">
               <a:rPr lang="de-DE" smtClean="0"/>
-              <a:t>14.11.2019</a:t>
+              <a:t>18.11.2019</a:t>
             </a:fld>
             <a:endParaRPr lang="de-DE"/>
           </a:p>
@@ -1951,7 +1956,7 @@
           <a:p>
             <a:fld id="{6D6E3091-AFB5-45C4-8AF7-B8A56A3999C0}" type="datetimeFigureOut">
               <a:rPr lang="de-DE" smtClean="0"/>
-              <a:t>14.11.2019</a:t>
+              <a:t>18.11.2019</a:t>
             </a:fld>
             <a:endParaRPr lang="de-DE"/>
           </a:p>
@@ -2064,7 +2069,7 @@
           <a:p>
             <a:fld id="{6D6E3091-AFB5-45C4-8AF7-B8A56A3999C0}" type="datetimeFigureOut">
               <a:rPr lang="de-DE" smtClean="0"/>
-              <a:t>14.11.2019</a:t>
+              <a:t>18.11.2019</a:t>
             </a:fld>
             <a:endParaRPr lang="de-DE"/>
           </a:p>
@@ -2375,7 +2380,7 @@
           <a:p>
             <a:fld id="{6D6E3091-AFB5-45C4-8AF7-B8A56A3999C0}" type="datetimeFigureOut">
               <a:rPr lang="de-DE" smtClean="0"/>
-              <a:t>14.11.2019</a:t>
+              <a:t>18.11.2019</a:t>
             </a:fld>
             <a:endParaRPr lang="de-DE"/>
           </a:p>
@@ -2663,7 +2668,7 @@
           <a:p>
             <a:fld id="{6D6E3091-AFB5-45C4-8AF7-B8A56A3999C0}" type="datetimeFigureOut">
               <a:rPr lang="de-DE" smtClean="0"/>
-              <a:t>14.11.2019</a:t>
+              <a:t>18.11.2019</a:t>
             </a:fld>
             <a:endParaRPr lang="de-DE"/>
           </a:p>
@@ -2904,7 +2909,7 @@
           <a:p>
             <a:fld id="{6D6E3091-AFB5-45C4-8AF7-B8A56A3999C0}" type="datetimeFigureOut">
               <a:rPr lang="de-DE" smtClean="0"/>
-              <a:t>14.11.2019</a:t>
+              <a:t>18.11.2019</a:t>
             </a:fld>
             <a:endParaRPr lang="de-DE"/>
           </a:p>
@@ -3639,7 +3644,7 @@
             </a:pPr>
             <a:r>
               <a:rPr lang="de-DE" dirty="0" err="1"/>
-              <a:t>Serialize</a:t>
+              <a:t>serialize</a:t>
             </a:r>
             <a:r>
               <a:rPr lang="de-DE" dirty="0"/>
@@ -3657,11 +3662,27 @@
             </a:pPr>
             <a:r>
               <a:rPr lang="de-DE" dirty="0" err="1"/>
-              <a:t>createArrayOfByteArray</a:t>
+              <a:t>create</a:t>
             </a:r>
             <a:r>
               <a:rPr lang="de-DE" dirty="0"/>
-              <a:t>() </a:t>
+              <a:t> </a:t>
+            </a:r>
+            <a:r>
+              <a:rPr lang="de-DE" dirty="0" err="1"/>
+              <a:t>chunks</a:t>
+            </a:r>
+            <a:r>
+              <a:rPr lang="de-DE" dirty="0"/>
+              <a:t> </a:t>
+            </a:r>
+            <a:r>
+              <a:rPr lang="de-DE" dirty="0" err="1"/>
+              <a:t>of</a:t>
+            </a:r>
+            <a:r>
+              <a:rPr lang="de-DE" dirty="0"/>
+              <a:t> Bytes </a:t>
             </a:r>
           </a:p>
           <a:p>
@@ -3670,7 +3691,7 @@
             </a:pPr>
             <a:r>
               <a:rPr lang="de-DE" dirty="0"/>
-              <a:t>Send </a:t>
+              <a:t>send </a:t>
             </a:r>
             <a:r>
               <a:rPr lang="de-DE" dirty="0" err="1"/>
@@ -3679,9 +3700,6 @@
             <a:endParaRPr lang="de-DE" dirty="0"/>
           </a:p>
           <a:p>
-            <a:pPr marL="342900" indent="-342900">
-              <a:buAutoNum type="arabicPeriod"/>
-            </a:pPr>
             <a:endParaRPr lang="de-DE" dirty="0"/>
           </a:p>
           <a:p>
@@ -3691,7 +3709,62 @@
             </a:pPr>
             <a:r>
               <a:rPr lang="de-DE" dirty="0"/>
-              <a:t>Send Blocks </a:t>
+              <a:t>on </a:t>
+            </a:r>
+            <a:r>
+              <a:rPr lang="de-DE" dirty="0" err="1"/>
+              <a:t>received</a:t>
+            </a:r>
+            <a:r>
+              <a:rPr lang="de-DE" dirty="0"/>
+              <a:t> </a:t>
+            </a:r>
+            <a:r>
+              <a:rPr lang="de-DE" dirty="0" err="1"/>
+              <a:t>BytesMessageReady</a:t>
+            </a:r>
+            <a:r>
+              <a:rPr lang="de-DE" dirty="0"/>
+              <a:t> </a:t>
+            </a:r>
+          </a:p>
+          <a:p>
+            <a:pPr lvl="1"/>
+            <a:r>
+              <a:rPr lang="de-DE" dirty="0"/>
+              <a:t>send </a:t>
+            </a:r>
+            <a:r>
+              <a:rPr lang="de-DE" dirty="0" err="1"/>
+              <a:t>BytesMessage</a:t>
+            </a:r>
+            <a:r>
+              <a:rPr lang="de-DE" dirty="0"/>
+              <a:t> </a:t>
+            </a:r>
+            <a:r>
+              <a:rPr lang="de-DE" dirty="0" err="1"/>
+              <a:t>with</a:t>
+            </a:r>
+            <a:r>
+              <a:rPr lang="de-DE" dirty="0"/>
+              <a:t> </a:t>
+            </a:r>
+            <a:r>
+              <a:rPr lang="de-DE" dirty="0" err="1"/>
+              <a:t>one</a:t>
+            </a:r>
+            <a:r>
+              <a:rPr lang="de-DE" dirty="0"/>
+              <a:t> </a:t>
+            </a:r>
+            <a:r>
+              <a:rPr lang="de-DE" dirty="0" err="1"/>
+              <a:t>chunk</a:t>
+            </a:r>
+            <a:r>
+              <a:rPr lang="de-DE" dirty="0"/>
+              <a:t>             </a:t>
             </a:r>
             <a:r>
               <a:rPr lang="de-DE" dirty="0" err="1"/>
@@ -3699,8 +3772,12 @@
             </a:r>
             <a:r>
               <a:rPr lang="de-DE" dirty="0"/>
-              <a:t> Byte Arrays</a:t>
-            </a:r>
+              <a:t> Bytes</a:t>
+            </a:r>
+          </a:p>
+          <a:p>
+            <a:pPr lvl="1"/>
+            <a:endParaRPr lang="de-DE" dirty="0"/>
           </a:p>
           <a:p>
             <a:pPr marL="342900" indent="-342900">
@@ -3840,13 +3917,26 @@
             </a:r>
           </a:p>
           <a:p>
+            <a:endParaRPr lang="de-DE" dirty="0"/>
+          </a:p>
+          <a:p>
+            <a:endParaRPr lang="de-DE" dirty="0"/>
+          </a:p>
+          <a:p>
+            <a:endParaRPr lang="de-DE" dirty="0"/>
+          </a:p>
+          <a:p>
             <a:pPr marL="342900" indent="-342900">
               <a:buFont typeface="+mj-lt"/>
               <a:buAutoNum type="arabicPeriod" startAt="4"/>
             </a:pPr>
             <a:r>
+              <a:rPr lang="de-DE" dirty="0"/>
+              <a:t>on </a:t>
+            </a:r>
+            <a:r>
               <a:rPr lang="de-DE" dirty="0" err="1"/>
-              <a:t>receive</a:t>
+              <a:t>received</a:t>
             </a:r>
             <a:r>
               <a:rPr lang="de-DE" dirty="0"/>
@@ -3856,26 +3946,20 @@
               <a:rPr lang="de-DE" dirty="0" err="1"/>
               <a:t>LargeMessageInitializer</a:t>
             </a:r>
-            <a:endParaRPr lang="de-DE" dirty="0"/>
-          </a:p>
-          <a:p>
-            <a:pPr marL="342900" indent="-342900">
-              <a:buAutoNum type="arabicPeriod" startAt="4"/>
-            </a:pPr>
             <a:r>
               <a:rPr lang="de-DE" dirty="0"/>
-              <a:t>Send </a:t>
+              <a:t> </a:t>
+            </a:r>
+          </a:p>
+          <a:p>
+            <a:r>
+              <a:rPr lang="de-DE" dirty="0"/>
+              <a:t>	Send </a:t>
             </a:r>
             <a:r>
               <a:rPr lang="de-DE" dirty="0" err="1"/>
-              <a:t>LargeMessageReady</a:t>
-            </a:r>
-            <a:endParaRPr lang="de-DE" dirty="0"/>
-          </a:p>
-          <a:p>
-            <a:pPr marL="342900" indent="-342900">
-              <a:buAutoNum type="arabicPeriod" startAt="4"/>
-            </a:pPr>
+              <a:t>BytesMessageReady</a:t>
+            </a:r>
             <a:endParaRPr lang="de-DE" dirty="0"/>
           </a:p>
           <a:p>
@@ -3885,20 +3969,6 @@
             </a:pPr>
             <a:r>
               <a:rPr lang="de-DE" dirty="0" err="1"/>
-              <a:t>Receive</a:t>
-            </a:r>
-            <a:r>
-              <a:rPr lang="de-DE" dirty="0"/>
-              <a:t> Blocks</a:t>
-            </a:r>
-          </a:p>
-          <a:p>
-            <a:pPr marL="342900" indent="-342900">
-              <a:buFont typeface="+mj-lt"/>
-              <a:buAutoNum type="arabicPeriod" startAt="7"/>
-            </a:pPr>
-            <a:r>
-              <a:rPr lang="de-DE" dirty="0" err="1"/>
               <a:t>If</a:t>
             </a:r>
             <a:r>
@@ -3907,7 +3977,7 @@
             </a:r>
             <a:r>
               <a:rPr lang="de-DE" dirty="0" err="1"/>
-              <a:t>receivedByteArray.length</a:t>
+              <a:t>receivedBytes.length</a:t>
             </a:r>
             <a:r>
               <a:rPr lang="de-DE" dirty="0"/>
@@ -3918,11 +3988,11 @@
             <a:pPr lvl="1"/>
             <a:r>
               <a:rPr lang="de-DE" dirty="0"/>
-              <a:t>== </a:t>
+              <a:t>!= </a:t>
             </a:r>
             <a:r>
               <a:rPr lang="de-DE" dirty="0" err="1"/>
-              <a:t>createdByteArray.length</a:t>
+              <a:t>LargeMessage.length</a:t>
             </a:r>
             <a:r>
               <a:rPr lang="de-DE" dirty="0"/>
@@ -3932,21 +4002,48 @@
           <a:p>
             <a:pPr lvl="1"/>
             <a:r>
+              <a:rPr lang="de-DE" dirty="0"/>
+              <a:t>send </a:t>
+            </a:r>
+            <a:r>
               <a:rPr lang="de-DE" dirty="0" err="1"/>
-              <a:t>DeserializeByteArray</a:t>
+              <a:t>BytesMessageReady</a:t>
             </a:r>
             <a:r>
               <a:rPr lang="de-DE" dirty="0"/>
-              <a:t>()</a:t>
-            </a:r>
-          </a:p>
-          <a:p>
-            <a:pPr marL="342900" indent="-342900">
-              <a:buAutoNum type="arabicPeriod" startAt="7"/>
-            </a:pPr>
+              <a:t>;</a:t>
+            </a:r>
+          </a:p>
+          <a:p>
             <a:r>
               <a:rPr lang="de-DE" dirty="0"/>
-              <a:t>Send Large Message </a:t>
+              <a:t>      Else  </a:t>
+            </a:r>
+          </a:p>
+          <a:p>
+            <a:r>
+              <a:rPr lang="de-DE" dirty="0"/>
+              <a:t>         </a:t>
+            </a:r>
+            <a:r>
+              <a:rPr lang="de-DE" dirty="0" err="1"/>
+              <a:t>deserialize</a:t>
+            </a:r>
+            <a:r>
+              <a:rPr lang="de-DE" dirty="0"/>
+              <a:t> </a:t>
+            </a:r>
+            <a:r>
+              <a:rPr lang="de-DE" dirty="0" err="1"/>
+              <a:t>receivedBytes</a:t>
+            </a:r>
+            <a:endParaRPr lang="de-DE" dirty="0"/>
+          </a:p>
+          <a:p>
+            <a:pPr lvl="1"/>
+            <a:r>
+              <a:rPr lang="de-DE" dirty="0"/>
+              <a:t>send Large Message </a:t>
             </a:r>
             <a:r>
               <a:rPr lang="de-DE" dirty="0" err="1"/>
@@ -3961,10 +4058,10 @@
       </p:sp>
       <p:cxnSp>
         <p:nvCxnSpPr>
-          <p:cNvPr id="21" name="Gerade Verbindung mit Pfeil 20">
-            <a:extLst>
-              <a:ext uri="{FF2B5EF4-FFF2-40B4-BE49-F238E27FC236}">
-                <a16:creationId xmlns:a16="http://schemas.microsoft.com/office/drawing/2014/main" id="{049879AE-09AA-46AF-9813-924ED5AC5374}"/>
+          <p:cNvPr id="50" name="Gerade Verbindung mit Pfeil 49">
+            <a:extLst>
+              <a:ext uri="{FF2B5EF4-FFF2-40B4-BE49-F238E27FC236}">
+                <a16:creationId xmlns:a16="http://schemas.microsoft.com/office/drawing/2014/main" id="{F1EDFC63-0ACA-4011-BEC1-35734374F7D0}"/>
               </a:ext>
             </a:extLst>
           </p:cNvPr>
@@ -3975,214 +4072,8 @@
         </p:nvCxnSpPr>
         <p:spPr>
           <a:xfrm flipV="1">
-            <a:off x="4036940" y="3209925"/>
-            <a:ext cx="2878210" cy="561976"/>
-          </a:xfrm>
-          <a:prstGeom prst="straightConnector1">
-            <a:avLst/>
-          </a:prstGeom>
-          <a:ln>
-            <a:tailEnd type="triangle"/>
-          </a:ln>
-        </p:spPr>
-        <p:style>
-          <a:lnRef idx="3">
-            <a:schemeClr val="accent2"/>
-          </a:lnRef>
-          <a:fillRef idx="0">
-            <a:schemeClr val="accent2"/>
-          </a:fillRef>
-          <a:effectRef idx="2">
-            <a:schemeClr val="accent2"/>
-          </a:effectRef>
-          <a:fontRef idx="minor">
-            <a:schemeClr val="tx1"/>
-          </a:fontRef>
-        </p:style>
-      </p:cxnSp>
-      <p:cxnSp>
-        <p:nvCxnSpPr>
-          <p:cNvPr id="28" name="Gerade Verbindung mit Pfeil 27">
-            <a:extLst>
-              <a:ext uri="{FF2B5EF4-FFF2-40B4-BE49-F238E27FC236}">
-                <a16:creationId xmlns:a16="http://schemas.microsoft.com/office/drawing/2014/main" id="{417B8280-15CF-4EA3-A861-69B66810DF39}"/>
-              </a:ext>
-            </a:extLst>
-          </p:cNvPr>
-          <p:cNvCxnSpPr>
-            <a:cxnSpLocks/>
-          </p:cNvCxnSpPr>
-          <p:nvPr/>
-        </p:nvCxnSpPr>
-        <p:spPr>
-          <a:xfrm flipH="1">
-            <a:off x="3200400" y="3490913"/>
-            <a:ext cx="3714751" cy="662075"/>
-          </a:xfrm>
-          <a:prstGeom prst="straightConnector1">
-            <a:avLst/>
-          </a:prstGeom>
-          <a:ln>
-            <a:tailEnd type="triangle"/>
-          </a:ln>
-        </p:spPr>
-        <p:style>
-          <a:lnRef idx="3">
-            <a:schemeClr val="accent2"/>
-          </a:lnRef>
-          <a:fillRef idx="0">
-            <a:schemeClr val="accent2"/>
-          </a:fillRef>
-          <a:effectRef idx="2">
-            <a:schemeClr val="accent2"/>
-          </a:effectRef>
-          <a:fontRef idx="minor">
-            <a:schemeClr val="tx1"/>
-          </a:fontRef>
-        </p:style>
-      </p:cxnSp>
-      <p:cxnSp>
-        <p:nvCxnSpPr>
-          <p:cNvPr id="33" name="Gerade Verbindung mit Pfeil 32">
-            <a:extLst>
-              <a:ext uri="{FF2B5EF4-FFF2-40B4-BE49-F238E27FC236}">
-                <a16:creationId xmlns:a16="http://schemas.microsoft.com/office/drawing/2014/main" id="{0A04502F-4D1D-4E7B-9C70-2CF47A023219}"/>
-              </a:ext>
-            </a:extLst>
-          </p:cNvPr>
-          <p:cNvCxnSpPr>
-            <a:cxnSpLocks/>
-          </p:cNvCxnSpPr>
-          <p:nvPr/>
-        </p:nvCxnSpPr>
-        <p:spPr>
-          <a:xfrm flipV="1">
-            <a:off x="3615044" y="3989446"/>
-            <a:ext cx="3300106" cy="163542"/>
-          </a:xfrm>
-          <a:prstGeom prst="straightConnector1">
-            <a:avLst/>
-          </a:prstGeom>
-          <a:ln>
-            <a:tailEnd type="triangle"/>
-          </a:ln>
-        </p:spPr>
-        <p:style>
-          <a:lnRef idx="3">
-            <a:schemeClr val="accent2"/>
-          </a:lnRef>
-          <a:fillRef idx="0">
-            <a:schemeClr val="accent2"/>
-          </a:fillRef>
-          <a:effectRef idx="2">
-            <a:schemeClr val="accent2"/>
-          </a:effectRef>
-          <a:fontRef idx="minor">
-            <a:schemeClr val="tx1"/>
-          </a:fontRef>
-        </p:style>
-      </p:cxnSp>
-      <p:cxnSp>
-        <p:nvCxnSpPr>
-          <p:cNvPr id="35" name="Gerade Verbindung mit Pfeil 34">
-            <a:extLst>
-              <a:ext uri="{FF2B5EF4-FFF2-40B4-BE49-F238E27FC236}">
-                <a16:creationId xmlns:a16="http://schemas.microsoft.com/office/drawing/2014/main" id="{67D24CF4-9449-475E-8871-25E346DB2C4D}"/>
-              </a:ext>
-            </a:extLst>
-          </p:cNvPr>
-          <p:cNvCxnSpPr>
-            <a:cxnSpLocks/>
-          </p:cNvCxnSpPr>
-          <p:nvPr/>
-        </p:nvCxnSpPr>
-        <p:spPr>
-          <a:xfrm flipV="1">
-            <a:off x="3742888" y="4087142"/>
-            <a:ext cx="3172262" cy="183292"/>
-          </a:xfrm>
-          <a:prstGeom prst="straightConnector1">
-            <a:avLst/>
-          </a:prstGeom>
-          <a:ln>
-            <a:tailEnd type="triangle"/>
-          </a:ln>
-        </p:spPr>
-        <p:style>
-          <a:lnRef idx="3">
-            <a:schemeClr val="accent2"/>
-          </a:lnRef>
-          <a:fillRef idx="0">
-            <a:schemeClr val="accent2"/>
-          </a:fillRef>
-          <a:effectRef idx="2">
-            <a:schemeClr val="accent2"/>
-          </a:effectRef>
-          <a:fontRef idx="minor">
-            <a:schemeClr val="tx1"/>
-          </a:fontRef>
-        </p:style>
-      </p:cxnSp>
-      <p:cxnSp>
-        <p:nvCxnSpPr>
-          <p:cNvPr id="40" name="Gerade Verbindung mit Pfeil 39">
-            <a:extLst>
-              <a:ext uri="{FF2B5EF4-FFF2-40B4-BE49-F238E27FC236}">
-                <a16:creationId xmlns:a16="http://schemas.microsoft.com/office/drawing/2014/main" id="{BC79A06B-EADE-4C04-BCC5-F9A5472077B7}"/>
-              </a:ext>
-            </a:extLst>
-          </p:cNvPr>
-          <p:cNvCxnSpPr>
-            <a:cxnSpLocks/>
-          </p:cNvCxnSpPr>
-          <p:nvPr/>
-        </p:nvCxnSpPr>
-        <p:spPr>
-          <a:xfrm flipV="1">
-            <a:off x="3742888" y="4186740"/>
-            <a:ext cx="3172262" cy="181390"/>
-          </a:xfrm>
-          <a:prstGeom prst="straightConnector1">
-            <a:avLst/>
-          </a:prstGeom>
-          <a:ln>
-            <a:tailEnd type="triangle"/>
-          </a:ln>
-        </p:spPr>
-        <p:style>
-          <a:lnRef idx="3">
-            <a:schemeClr val="accent2"/>
-          </a:lnRef>
-          <a:fillRef idx="0">
-            <a:schemeClr val="accent2"/>
-          </a:fillRef>
-          <a:effectRef idx="2">
-            <a:schemeClr val="accent2"/>
-          </a:effectRef>
-          <a:fontRef idx="minor">
-            <a:schemeClr val="tx1"/>
-          </a:fontRef>
-        </p:style>
-      </p:cxnSp>
-      <p:cxnSp>
-        <p:nvCxnSpPr>
-          <p:cNvPr id="50" name="Gerade Verbindung mit Pfeil 49">
-            <a:extLst>
-              <a:ext uri="{FF2B5EF4-FFF2-40B4-BE49-F238E27FC236}">
-                <a16:creationId xmlns:a16="http://schemas.microsoft.com/office/drawing/2014/main" id="{F1EDFC63-0ACA-4011-BEC1-35734374F7D0}"/>
-              </a:ext>
-            </a:extLst>
-          </p:cNvPr>
-          <p:cNvCxnSpPr>
-            <a:cxnSpLocks/>
-            <a:endCxn id="7" idx="4"/>
-          </p:cNvCxnSpPr>
-          <p:nvPr/>
-        </p:nvCxnSpPr>
-        <p:spPr>
-          <a:xfrm flipV="1">
-            <a:off x="10077976" y="2181138"/>
-            <a:ext cx="0" cy="2983804"/>
+            <a:off x="10077976" y="2025289"/>
+            <a:ext cx="645952" cy="3998006"/>
           </a:xfrm>
           <a:prstGeom prst="straightConnector1">
             <a:avLst/>
